--- a/2-1_Linear_Regression.pptx
+++ b/2-1_Linear_Regression.pptx
@@ -267,7 +267,7 @@
           <a:p>
             <a:fld id="{E3FC4A22-71F5-486E-8512-5F9DA9676D58}" type="datetimeFigureOut">
               <a:rPr lang="ko-KR" altLang="en-US" smtClean="0"/>
-              <a:t>2022-03-30</a:t>
+              <a:t>2022-03-31</a:t>
             </a:fld>
             <a:endParaRPr lang="ko-KR" altLang="en-US"/>
           </a:p>
@@ -465,7 +465,7 @@
           <a:p>
             <a:fld id="{E3FC4A22-71F5-486E-8512-5F9DA9676D58}" type="datetimeFigureOut">
               <a:rPr lang="ko-KR" altLang="en-US" smtClean="0"/>
-              <a:t>2022-03-30</a:t>
+              <a:t>2022-03-31</a:t>
             </a:fld>
             <a:endParaRPr lang="ko-KR" altLang="en-US"/>
           </a:p>
@@ -673,7 +673,7 @@
           <a:p>
             <a:fld id="{E3FC4A22-71F5-486E-8512-5F9DA9676D58}" type="datetimeFigureOut">
               <a:rPr lang="ko-KR" altLang="en-US" smtClean="0"/>
-              <a:t>2022-03-30</a:t>
+              <a:t>2022-03-31</a:t>
             </a:fld>
             <a:endParaRPr lang="ko-KR" altLang="en-US"/>
           </a:p>
@@ -871,7 +871,7 @@
           <a:p>
             <a:fld id="{E3FC4A22-71F5-486E-8512-5F9DA9676D58}" type="datetimeFigureOut">
               <a:rPr lang="ko-KR" altLang="en-US" smtClean="0"/>
-              <a:t>2022-03-30</a:t>
+              <a:t>2022-03-31</a:t>
             </a:fld>
             <a:endParaRPr lang="ko-KR" altLang="en-US"/>
           </a:p>
@@ -1146,7 +1146,7 @@
           <a:p>
             <a:fld id="{E3FC4A22-71F5-486E-8512-5F9DA9676D58}" type="datetimeFigureOut">
               <a:rPr lang="ko-KR" altLang="en-US" smtClean="0"/>
-              <a:t>2022-03-30</a:t>
+              <a:t>2022-03-31</a:t>
             </a:fld>
             <a:endParaRPr lang="ko-KR" altLang="en-US"/>
           </a:p>
@@ -1411,7 +1411,7 @@
           <a:p>
             <a:fld id="{E3FC4A22-71F5-486E-8512-5F9DA9676D58}" type="datetimeFigureOut">
               <a:rPr lang="ko-KR" altLang="en-US" smtClean="0"/>
-              <a:t>2022-03-30</a:t>
+              <a:t>2022-03-31</a:t>
             </a:fld>
             <a:endParaRPr lang="ko-KR" altLang="en-US"/>
           </a:p>
@@ -1823,7 +1823,7 @@
           <a:p>
             <a:fld id="{E3FC4A22-71F5-486E-8512-5F9DA9676D58}" type="datetimeFigureOut">
               <a:rPr lang="ko-KR" altLang="en-US" smtClean="0"/>
-              <a:t>2022-03-30</a:t>
+              <a:t>2022-03-31</a:t>
             </a:fld>
             <a:endParaRPr lang="ko-KR" altLang="en-US"/>
           </a:p>
@@ -1964,7 +1964,7 @@
           <a:p>
             <a:fld id="{E3FC4A22-71F5-486E-8512-5F9DA9676D58}" type="datetimeFigureOut">
               <a:rPr lang="ko-KR" altLang="en-US" smtClean="0"/>
-              <a:t>2022-03-30</a:t>
+              <a:t>2022-03-31</a:t>
             </a:fld>
             <a:endParaRPr lang="ko-KR" altLang="en-US"/>
           </a:p>
@@ -2077,7 +2077,7 @@
           <a:p>
             <a:fld id="{E3FC4A22-71F5-486E-8512-5F9DA9676D58}" type="datetimeFigureOut">
               <a:rPr lang="ko-KR" altLang="en-US" smtClean="0"/>
-              <a:t>2022-03-30</a:t>
+              <a:t>2022-03-31</a:t>
             </a:fld>
             <a:endParaRPr lang="ko-KR" altLang="en-US"/>
           </a:p>
@@ -2388,7 +2388,7 @@
           <a:p>
             <a:fld id="{E3FC4A22-71F5-486E-8512-5F9DA9676D58}" type="datetimeFigureOut">
               <a:rPr lang="ko-KR" altLang="en-US" smtClean="0"/>
-              <a:t>2022-03-30</a:t>
+              <a:t>2022-03-31</a:t>
             </a:fld>
             <a:endParaRPr lang="ko-KR" altLang="en-US"/>
           </a:p>
@@ -2676,7 +2676,7 @@
           <a:p>
             <a:fld id="{E3FC4A22-71F5-486E-8512-5F9DA9676D58}" type="datetimeFigureOut">
               <a:rPr lang="ko-KR" altLang="en-US" smtClean="0"/>
-              <a:t>2022-03-30</a:t>
+              <a:t>2022-03-31</a:t>
             </a:fld>
             <a:endParaRPr lang="ko-KR" altLang="en-US"/>
           </a:p>
@@ -2917,7 +2917,7 @@
           <a:p>
             <a:fld id="{E3FC4A22-71F5-486E-8512-5F9DA9676D58}" type="datetimeFigureOut">
               <a:rPr lang="ko-KR" altLang="en-US" smtClean="0"/>
-              <a:t>2022-03-30</a:t>
+              <a:t>2022-03-31</a:t>
             </a:fld>
             <a:endParaRPr lang="ko-KR" altLang="en-US"/>
           </a:p>
@@ -3514,7 +3514,6 @@
                   <a:srgbClr val="000000"/>
                 </a:solidFill>
                 <a:effectLst/>
-                <a:latin typeface="Helvetica Neue"/>
               </a:rPr>
               <a:t>A technique for modeling relationships in which dependent variables change large or small as independent variables grow</a:t>
             </a:r>
@@ -3526,7 +3525,6 @@
                   <a:srgbClr val="000000"/>
                 </a:solidFill>
                 <a:effectLst/>
-                <a:latin typeface="Helvetica Neue"/>
               </a:rPr>
               <a:t>y = ax + b, a is called the inclination and b is called the y-intercept</a:t>
             </a:r>
@@ -3694,7 +3692,6 @@
                   <a:srgbClr val="000000"/>
                 </a:solidFill>
                 <a:effectLst/>
-                <a:latin typeface="Helvetica Neue"/>
               </a:rPr>
               <a:t>Usually, in linear regression, the learning parameters a and b of the data points that are not on a straight line must be calculated</a:t>
             </a:r>
@@ -3710,7 +3707,6 @@
                   <a:srgbClr val="000000"/>
                 </a:solidFill>
                 <a:effectLst/>
-                <a:latin typeface="Helvetica Neue"/>
               </a:rPr>
               <a:t>Create a straight line to minimize the mean square error</a:t>
             </a:r>
@@ -4132,7 +4128,6 @@
                   <a:srgbClr val="000000"/>
                 </a:solidFill>
                 <a:effectLst/>
-                <a:latin typeface="Helvetica Neue"/>
               </a:rPr>
               <a:t>A function that defines the relationship between error and learning parameters is called a loss function.</a:t>
             </a:r>
@@ -4144,7 +4139,6 @@
                   <a:srgbClr val="000000"/>
                 </a:solidFill>
                 <a:effectLst/>
-                <a:latin typeface="Helvetica Neue"/>
               </a:rPr>
               <a:t>Linear regression finds a parameter with a minimum loss function value among various straight lines.</a:t>
             </a:r>
@@ -4156,7 +4150,6 @@
                   <a:srgbClr val="000000"/>
                 </a:solidFill>
                 <a:effectLst/>
-                <a:latin typeface="Helvetica Neue"/>
               </a:rPr>
               <a:t>Finding parameters that minimize loss function values is also a concept commonly used in guidance learning algorithms.</a:t>
             </a:r>
@@ -4286,7 +4279,6 @@
                 <a:solidFill>
                   <a:srgbClr val="000000"/>
                 </a:solidFill>
-                <a:latin typeface="Helvetica Neue"/>
               </a:rPr>
               <a:t>From </a:t>
             </a:r>
@@ -4295,7 +4287,6 @@
                 <a:solidFill>
                   <a:srgbClr val="000000"/>
                 </a:solidFill>
-                <a:latin typeface="Helvetica Neue"/>
               </a:rPr>
               <a:t>sklearn</a:t>
             </a:r>
@@ -4304,7 +4295,6 @@
                 <a:solidFill>
                   <a:srgbClr val="000000"/>
                 </a:solidFill>
-                <a:latin typeface="Helvetica Neue"/>
               </a:rPr>
               <a:t>, import Linear Regression</a:t>
             </a:r>
@@ -4316,7 +4306,6 @@
                   <a:srgbClr val="000000"/>
                 </a:solidFill>
                 <a:effectLst/>
-                <a:latin typeface="Helvetica Neue"/>
               </a:rPr>
               <a:t>Set X, y variable</a:t>
             </a:r>
@@ -4327,7 +4316,6 @@
                 <a:solidFill>
                   <a:srgbClr val="000000"/>
                 </a:solidFill>
-                <a:latin typeface="Helvetica Neue"/>
               </a:rPr>
               <a:t>Make Linear Regression variable</a:t>
             </a:r>
@@ -4338,7 +4326,6 @@
                 <a:solidFill>
                   <a:srgbClr val="000000"/>
                 </a:solidFill>
-                <a:latin typeface="Helvetica Neue"/>
               </a:rPr>
               <a:t>Fit X, y to Linear Regression model</a:t>
             </a:r>
@@ -4349,7 +4336,6 @@
                 <a:solidFill>
                   <a:srgbClr val="000000"/>
                 </a:solidFill>
-                <a:latin typeface="Helvetica Neue"/>
               </a:rPr>
               <a:t>Print inclination and y-intercept</a:t>
             </a:r>
@@ -4361,7 +4347,6 @@
                   <a:srgbClr val="000000"/>
                 </a:solidFill>
                 <a:effectLst/>
-                <a:latin typeface="Helvetica Neue"/>
                 <a:cs typeface="Helvetica" panose="020B0604020202020204" pitchFamily="34" charset="0"/>
               </a:rPr>
               <a:t>Predict y-values when x is 0 and 1 with the predict method</a:t>
@@ -4370,7 +4355,6 @@
               <a:solidFill>
                 <a:srgbClr val="000000"/>
               </a:solidFill>
-              <a:latin typeface="Helvetica Neue"/>
               <a:cs typeface="Helvetica" panose="020B0604020202020204" pitchFamily="34" charset="0"/>
             </a:endParaRPr>
           </a:p>
@@ -4534,7 +4518,6 @@
                 <a:solidFill>
                   <a:srgbClr val="000000"/>
                 </a:solidFill>
-                <a:latin typeface="Helvetica Neue"/>
                 <a:cs typeface="Helvetica" panose="020B0604020202020204" pitchFamily="34" charset="0"/>
               </a:rPr>
               <a:t>We can get inclination by </a:t>
@@ -4544,7 +4527,6 @@
                 <a:solidFill>
                   <a:srgbClr val="000000"/>
                 </a:solidFill>
-                <a:latin typeface="Helvetica Neue"/>
                 <a:cs typeface="Helvetica" panose="020B0604020202020204" pitchFamily="34" charset="0"/>
               </a:rPr>
               <a:t>model.coef</a:t>
@@ -4554,7 +4536,6 @@
                 <a:solidFill>
                   <a:srgbClr val="000000"/>
                 </a:solidFill>
-                <a:latin typeface="Helvetica Neue"/>
                 <a:cs typeface="Helvetica" panose="020B0604020202020204" pitchFamily="34" charset="0"/>
               </a:rPr>
               <a:t>_ method</a:t>
@@ -4566,7 +4547,6 @@
                 <a:solidFill>
                   <a:srgbClr val="000000"/>
                 </a:solidFill>
-                <a:latin typeface="Helvetica Neue"/>
                 <a:cs typeface="Helvetica" panose="020B0604020202020204" pitchFamily="34" charset="0"/>
               </a:rPr>
               <a:t>We can get y-intercept by </a:t>
@@ -4576,7 +4556,6 @@
                 <a:solidFill>
                   <a:srgbClr val="000000"/>
                 </a:solidFill>
-                <a:latin typeface="Helvetica Neue"/>
                 <a:cs typeface="Helvetica" panose="020B0604020202020204" pitchFamily="34" charset="0"/>
               </a:rPr>
               <a:t>model.intercept</a:t>
@@ -4586,7 +4565,6 @@
                 <a:solidFill>
                   <a:srgbClr val="000000"/>
                 </a:solidFill>
-                <a:latin typeface="Helvetica Neue"/>
                 <a:cs typeface="Helvetica" panose="020B0604020202020204" pitchFamily="34" charset="0"/>
               </a:rPr>
               <a:t>_ method</a:t>
@@ -4599,7 +4577,6 @@
                   <a:srgbClr val="000000"/>
                 </a:solidFill>
                 <a:effectLst/>
-                <a:latin typeface="Helvetica Neue"/>
                 <a:cs typeface="Helvetica" panose="020B0604020202020204" pitchFamily="34" charset="0"/>
               </a:rPr>
               <a:t>We can get y-values when x is 0 and 1 by </a:t>
@@ -4610,7 +4587,6 @@
                   <a:srgbClr val="000000"/>
                 </a:solidFill>
                 <a:effectLst/>
-                <a:latin typeface="Helvetica Neue"/>
                 <a:cs typeface="Helvetica" panose="020B0604020202020204" pitchFamily="34" charset="0"/>
               </a:rPr>
               <a:t>model.predict</a:t>
@@ -4621,7 +4597,6 @@
                   <a:srgbClr val="000000"/>
                 </a:solidFill>
                 <a:effectLst/>
-                <a:latin typeface="Helvetica Neue"/>
                 <a:cs typeface="Helvetica" panose="020B0604020202020204" pitchFamily="34" charset="0"/>
               </a:rPr>
               <a:t> method</a:t>
@@ -4630,7 +4605,6 @@
               <a:solidFill>
                 <a:srgbClr val="000000"/>
               </a:solidFill>
-              <a:latin typeface="Helvetica Neue"/>
               <a:cs typeface="Helvetica" panose="020B0604020202020204" pitchFamily="34" charset="0"/>
             </a:endParaRPr>
           </a:p>
@@ -4792,7 +4766,7 @@
         <p:spPr/>
         <p:txBody>
           <a:bodyPr>
-            <a:normAutofit fontScale="92500" lnSpcReduction="10000"/>
+            <a:normAutofit fontScale="85000" lnSpcReduction="10000"/>
           </a:bodyPr>
           <a:lstStyle/>
           <a:p>
@@ -4801,7 +4775,6 @@
                 <a:solidFill>
                   <a:srgbClr val="000000"/>
                 </a:solidFill>
-                <a:latin typeface="Helvetica Neue"/>
               </a:rPr>
               <a:t>L</a:t>
             </a:r>
@@ -4811,7 +4784,6 @@
                   <a:srgbClr val="000000"/>
                 </a:solidFill>
                 <a:effectLst/>
-                <a:latin typeface="Helvetica Neue"/>
               </a:rPr>
               <a:t>et x and y as shown on the right.</a:t>
             </a:r>
@@ -4823,7 +4795,6 @@
                   <a:srgbClr val="000000"/>
                 </a:solidFill>
                 <a:effectLst/>
-                <a:latin typeface="Helvetica Neue"/>
               </a:rPr>
               <a:t>The table below shows the average square error values according to the values a and b.</a:t>
             </a:r>
@@ -4835,7 +4806,6 @@
                   <a:srgbClr val="000000"/>
                 </a:solidFill>
                 <a:effectLst/>
-                <a:latin typeface="Helvetica Neue"/>
               </a:rPr>
               <a:t>Substituting the x and y values into the mean square error formula, the following equation can be obtained.</a:t>
             </a:r>
@@ -4847,7 +4817,6 @@
                   <a:srgbClr val="000000"/>
                 </a:solidFill>
                 <a:effectLst/>
-                <a:latin typeface="Helvetica Neue"/>
               </a:rPr>
               <a:t>Therefore, the minimum value of the equation according to the values a and b may be obtained.</a:t>
             </a:r>
@@ -4855,7 +4824,6 @@
               <a:solidFill>
                 <a:srgbClr val="000000"/>
               </a:solidFill>
-              <a:latin typeface="Helvetica Neue"/>
               <a:cs typeface="Helvetica" panose="020B0604020202020204" pitchFamily="34" charset="0"/>
             </a:endParaRPr>
           </a:p>
@@ -5018,7 +4986,6 @@
                   <a:srgbClr val="000000"/>
                 </a:solidFill>
                 <a:effectLst/>
-                <a:latin typeface="Helvetica Neue"/>
               </a:rPr>
               <a:t>Since polynomial regression is not linear, it may be awkward to call it linear regression, but because it is linear regression for learning parameters rather than independent variables, polynomial regression is also included in linear regression.</a:t>
             </a:r>

--- a/2-1_Linear_Regression.pptx
+++ b/2-1_Linear_Regression.pptx
@@ -267,7 +267,7 @@
           <a:p>
             <a:fld id="{E3FC4A22-71F5-486E-8512-5F9DA9676D58}" type="datetimeFigureOut">
               <a:rPr lang="ko-KR" altLang="en-US" smtClean="0"/>
-              <a:t>2022-03-31</a:t>
+              <a:t>2022-04-12</a:t>
             </a:fld>
             <a:endParaRPr lang="ko-KR" altLang="en-US"/>
           </a:p>
@@ -465,7 +465,7 @@
           <a:p>
             <a:fld id="{E3FC4A22-71F5-486E-8512-5F9DA9676D58}" type="datetimeFigureOut">
               <a:rPr lang="ko-KR" altLang="en-US" smtClean="0"/>
-              <a:t>2022-03-31</a:t>
+              <a:t>2022-04-12</a:t>
             </a:fld>
             <a:endParaRPr lang="ko-KR" altLang="en-US"/>
           </a:p>
@@ -673,7 +673,7 @@
           <a:p>
             <a:fld id="{E3FC4A22-71F5-486E-8512-5F9DA9676D58}" type="datetimeFigureOut">
               <a:rPr lang="ko-KR" altLang="en-US" smtClean="0"/>
-              <a:t>2022-03-31</a:t>
+              <a:t>2022-04-12</a:t>
             </a:fld>
             <a:endParaRPr lang="ko-KR" altLang="en-US"/>
           </a:p>
@@ -871,7 +871,7 @@
           <a:p>
             <a:fld id="{E3FC4A22-71F5-486E-8512-5F9DA9676D58}" type="datetimeFigureOut">
               <a:rPr lang="ko-KR" altLang="en-US" smtClean="0"/>
-              <a:t>2022-03-31</a:t>
+              <a:t>2022-04-12</a:t>
             </a:fld>
             <a:endParaRPr lang="ko-KR" altLang="en-US"/>
           </a:p>
@@ -1146,7 +1146,7 @@
           <a:p>
             <a:fld id="{E3FC4A22-71F5-486E-8512-5F9DA9676D58}" type="datetimeFigureOut">
               <a:rPr lang="ko-KR" altLang="en-US" smtClean="0"/>
-              <a:t>2022-03-31</a:t>
+              <a:t>2022-04-12</a:t>
             </a:fld>
             <a:endParaRPr lang="ko-KR" altLang="en-US"/>
           </a:p>
@@ -1411,7 +1411,7 @@
           <a:p>
             <a:fld id="{E3FC4A22-71F5-486E-8512-5F9DA9676D58}" type="datetimeFigureOut">
               <a:rPr lang="ko-KR" altLang="en-US" smtClean="0"/>
-              <a:t>2022-03-31</a:t>
+              <a:t>2022-04-12</a:t>
             </a:fld>
             <a:endParaRPr lang="ko-KR" altLang="en-US"/>
           </a:p>
@@ -1823,7 +1823,7 @@
           <a:p>
             <a:fld id="{E3FC4A22-71F5-486E-8512-5F9DA9676D58}" type="datetimeFigureOut">
               <a:rPr lang="ko-KR" altLang="en-US" smtClean="0"/>
-              <a:t>2022-03-31</a:t>
+              <a:t>2022-04-12</a:t>
             </a:fld>
             <a:endParaRPr lang="ko-KR" altLang="en-US"/>
           </a:p>
@@ -1964,7 +1964,7 @@
           <a:p>
             <a:fld id="{E3FC4A22-71F5-486E-8512-5F9DA9676D58}" type="datetimeFigureOut">
               <a:rPr lang="ko-KR" altLang="en-US" smtClean="0"/>
-              <a:t>2022-03-31</a:t>
+              <a:t>2022-04-12</a:t>
             </a:fld>
             <a:endParaRPr lang="ko-KR" altLang="en-US"/>
           </a:p>
@@ -2077,7 +2077,7 @@
           <a:p>
             <a:fld id="{E3FC4A22-71F5-486E-8512-5F9DA9676D58}" type="datetimeFigureOut">
               <a:rPr lang="ko-KR" altLang="en-US" smtClean="0"/>
-              <a:t>2022-03-31</a:t>
+              <a:t>2022-04-12</a:t>
             </a:fld>
             <a:endParaRPr lang="ko-KR" altLang="en-US"/>
           </a:p>
@@ -2388,7 +2388,7 @@
           <a:p>
             <a:fld id="{E3FC4A22-71F5-486E-8512-5F9DA9676D58}" type="datetimeFigureOut">
               <a:rPr lang="ko-KR" altLang="en-US" smtClean="0"/>
-              <a:t>2022-03-31</a:t>
+              <a:t>2022-04-12</a:t>
             </a:fld>
             <a:endParaRPr lang="ko-KR" altLang="en-US"/>
           </a:p>
@@ -2676,7 +2676,7 @@
           <a:p>
             <a:fld id="{E3FC4A22-71F5-486E-8512-5F9DA9676D58}" type="datetimeFigureOut">
               <a:rPr lang="ko-KR" altLang="en-US" smtClean="0"/>
-              <a:t>2022-03-31</a:t>
+              <a:t>2022-04-12</a:t>
             </a:fld>
             <a:endParaRPr lang="ko-KR" altLang="en-US"/>
           </a:p>
@@ -2917,7 +2917,7 @@
           <a:p>
             <a:fld id="{E3FC4A22-71F5-486E-8512-5F9DA9676D58}" type="datetimeFigureOut">
               <a:rPr lang="ko-KR" altLang="en-US" smtClean="0"/>
-              <a:t>2022-03-31</a:t>
+              <a:t>2022-04-12</a:t>
             </a:fld>
             <a:endParaRPr lang="ko-KR" altLang="en-US"/>
           </a:p>
@@ -3428,6 +3428,52 @@
           </a:prstGeom>
         </p:spPr>
       </p:pic>
+      <p:sp>
+        <p:nvSpPr>
+          <p:cNvPr id="5" name="TextBox 4">
+            <a:extLst>
+              <a:ext uri="{FF2B5EF4-FFF2-40B4-BE49-F238E27FC236}">
+                <a16:creationId xmlns:a16="http://schemas.microsoft.com/office/drawing/2014/main" id="{9FA238A1-74E0-4866-BD84-714ED168C2BC}"/>
+              </a:ext>
+            </a:extLst>
+          </p:cNvPr>
+          <p:cNvSpPr txBox="1"/>
+          <p:nvPr/>
+        </p:nvSpPr>
+        <p:spPr>
+          <a:xfrm>
+            <a:off x="0" y="6211669"/>
+            <a:ext cx="2805576" cy="646331"/>
+          </a:xfrm>
+          <a:prstGeom prst="rect">
+            <a:avLst/>
+          </a:prstGeom>
+          <a:noFill/>
+        </p:spPr>
+        <p:txBody>
+          <a:bodyPr wrap="none" rtlCol="0">
+            <a:spAutoFit/>
+          </a:bodyPr>
+          <a:lstStyle/>
+          <a:p>
+            <a:r>
+              <a:rPr lang="ko-KR" altLang="en-US" dirty="0"/>
+              <a:t>경희대학교 컴퓨터공학과</a:t>
+            </a:r>
+            <a:endParaRPr lang="en-US" altLang="ko-KR" dirty="0"/>
+          </a:p>
+          <a:p>
+            <a:r>
+              <a:rPr lang="en-US" altLang="ko-KR" dirty="0"/>
+              <a:t>2019102191 </a:t>
+            </a:r>
+            <a:r>
+              <a:rPr lang="ko-KR" altLang="en-US" dirty="0"/>
+              <a:t>신주영</a:t>
+            </a:r>
+          </a:p>
+        </p:txBody>
+      </p:sp>
     </p:spTree>
     <p:extLst>
       <p:ext uri="{BB962C8B-B14F-4D97-AF65-F5344CB8AC3E}">
